--- a/프로젝트 기획안(양식)_(NA팀).pptx
+++ b/프로젝트 기획안(양식)_(NA팀).pptx
@@ -152,7 +152,7 @@
   </p:defaultTextStyle>
   <p:extLst>
     <p:ext uri="{EFAFB233-063F-42B5-8137-9DF3F51BA10A}">
-      <p15:sldGuideLst xmlns:p15="http://schemas.microsoft.com/office/powerpoint/2012/main" xmlns="">
+      <p15:sldGuideLst xmlns="" xmlns:p15="http://schemas.microsoft.com/office/powerpoint/2012/main">
         <p15:guide id="1" orient="horz" pos="2160">
           <p15:clr>
             <a:srgbClr val="A4A3A4"/>
@@ -281,7 +281,7 @@
               <a:pPr>
                 <a:defRPr/>
               </a:pPr>
-              <a:t>2019-06-03</a:t>
+              <a:t>2019-06-12</a:t>
             </a:fld>
             <a:endParaRPr lang="ko-KR" altLang="en-US"/>
           </a:p>
@@ -798,7 +798,7 @@
               <a:pPr>
                 <a:defRPr/>
               </a:pPr>
-              <a:t>2019-06-03</a:t>
+              <a:t>2019-06-12</a:t>
             </a:fld>
             <a:endParaRPr lang="ko-KR" altLang="en-US"/>
           </a:p>
@@ -995,7 +995,7 @@
               <a:pPr>
                 <a:defRPr/>
               </a:pPr>
-              <a:t>2019-06-03</a:t>
+              <a:t>2019-06-12</a:t>
             </a:fld>
             <a:endParaRPr lang="ko-KR" altLang="en-US"/>
           </a:p>
@@ -1202,7 +1202,7 @@
               <a:pPr>
                 <a:defRPr/>
               </a:pPr>
-              <a:t>2019-06-03</a:t>
+              <a:t>2019-06-12</a:t>
             </a:fld>
             <a:endParaRPr lang="ko-KR" altLang="en-US"/>
           </a:p>
@@ -1399,7 +1399,7 @@
               <a:pPr>
                 <a:defRPr/>
               </a:pPr>
-              <a:t>2019-06-03</a:t>
+              <a:t>2019-06-12</a:t>
             </a:fld>
             <a:endParaRPr lang="ko-KR" altLang="en-US"/>
           </a:p>
@@ -1672,7 +1672,7 @@
               <a:pPr>
                 <a:defRPr/>
               </a:pPr>
-              <a:t>2019-06-03</a:t>
+              <a:t>2019-06-12</a:t>
             </a:fld>
             <a:endParaRPr lang="ko-KR" altLang="en-US"/>
           </a:p>
@@ -1987,7 +1987,7 @@
               <a:pPr>
                 <a:defRPr/>
               </a:pPr>
-              <a:t>2019-06-03</a:t>
+              <a:t>2019-06-12</a:t>
             </a:fld>
             <a:endParaRPr lang="ko-KR" altLang="en-US"/>
           </a:p>
@@ -2436,7 +2436,7 @@
               <a:pPr>
                 <a:defRPr/>
               </a:pPr>
-              <a:t>2019-06-03</a:t>
+              <a:t>2019-06-12</a:t>
             </a:fld>
             <a:endParaRPr lang="ko-KR" altLang="en-US"/>
           </a:p>
@@ -2581,7 +2581,7 @@
               <a:pPr>
                 <a:defRPr/>
               </a:pPr>
-              <a:t>2019-06-03</a:t>
+              <a:t>2019-06-12</a:t>
             </a:fld>
             <a:endParaRPr lang="ko-KR" altLang="en-US"/>
           </a:p>
@@ -3053,7 +3053,7 @@
               <a:pPr>
                 <a:defRPr/>
               </a:pPr>
-              <a:t>2019-06-03</a:t>
+              <a:t>2019-06-12</a:t>
             </a:fld>
             <a:endParaRPr lang="ko-KR" altLang="en-US"/>
           </a:p>
@@ -3336,7 +3336,7 @@
               <a:pPr>
                 <a:defRPr/>
               </a:pPr>
-              <a:t>2019-06-03</a:t>
+              <a:t>2019-06-12</a:t>
             </a:fld>
             <a:endParaRPr lang="ko-KR" altLang="en-US"/>
           </a:p>
@@ -3632,7 +3632,7 @@
               <a:pPr>
                 <a:defRPr/>
               </a:pPr>
-              <a:t>2019-06-03</a:t>
+              <a:t>2019-06-12</a:t>
             </a:fld>
             <a:endParaRPr lang="ko-KR" altLang="en-US"/>
           </a:p>
@@ -8325,7 +8325,7 @@
                   </a:solidFill>
                   <a:latin typeface="+mn-ea"/>
                 </a:rPr>
-                <a:t>관련된 변수를 파악하기 위해 흥행에 </a:t>
+                <a:t>관련된 </a:t>
               </a:r>
               <a:r>
                 <a:rPr kumimoji="0" lang="ko-KR" altLang="en-US" sz="1400" dirty="0" smtClean="0">
@@ -8334,37 +8334,17 @@
                   </a:solidFill>
                   <a:latin typeface="+mn-ea"/>
                 </a:rPr>
-                <a:t>성공한 </a:t>
+                <a:t>변수</a:t>
               </a:r>
               <a:r>
-                <a:rPr kumimoji="0" lang="ko-KR" altLang="en-US" sz="1400" dirty="0">
+                <a:rPr kumimoji="0" lang="en-US" altLang="ko-KR" sz="1400" dirty="0" smtClean="0">
                   <a:solidFill>
                     <a:srgbClr val="3F3F48"/>
                   </a:solidFill>
                   <a:latin typeface="+mn-ea"/>
                 </a:rPr>
-                <a:t>영화와 </a:t>
+                <a:t>(</a:t>
               </a:r>
-              <a:endParaRPr kumimoji="0" lang="en-US" altLang="ko-KR" sz="1400" dirty="0" smtClean="0">
-                <a:solidFill>
-                  <a:srgbClr val="3F3F48"/>
-                </a:solidFill>
-                <a:latin typeface="+mn-ea"/>
-              </a:endParaRPr>
-            </a:p>
-            <a:p>
-              <a:pPr marL="108000" fontAlgn="auto">
-                <a:lnSpc>
-                  <a:spcPct val="150000"/>
-                </a:lnSpc>
-                <a:spcBef>
-                  <a:spcPts val="0"/>
-                </a:spcBef>
-                <a:spcAft>
-                  <a:spcPts val="0"/>
-                </a:spcAft>
-                <a:defRPr/>
-              </a:pPr>
               <a:r>
                 <a:rPr kumimoji="0" lang="ko-KR" altLang="en-US" sz="1400" dirty="0" smtClean="0">
                   <a:solidFill>
@@ -8372,19 +8352,82 @@
                   </a:solidFill>
                   <a:latin typeface="+mn-ea"/>
                 </a:rPr>
-                <a:t>실패한 영화를 </a:t>
+                <a:t>장르</a:t>
               </a:r>
               <a:r>
-                <a:rPr kumimoji="0" lang="ko-KR" altLang="en-US" sz="1400" dirty="0">
+                <a:rPr kumimoji="0" lang="en-US" altLang="ko-KR" sz="1400" dirty="0" smtClean="0">
                   <a:solidFill>
                     <a:srgbClr val="3F3F48"/>
                   </a:solidFill>
                   <a:latin typeface="+mn-ea"/>
                 </a:rPr>
-                <a:t>분석한다</a:t>
+                <a:t>, </a:t>
               </a:r>
               <a:r>
-                <a:rPr kumimoji="0" lang="en-US" altLang="ko-KR" sz="1400" dirty="0">
+                <a:rPr kumimoji="0" lang="ko-KR" altLang="en-US" sz="1400" dirty="0" smtClean="0">
+                  <a:solidFill>
+                    <a:srgbClr val="3F3F48"/>
+                  </a:solidFill>
+                  <a:latin typeface="+mn-ea"/>
+                </a:rPr>
+                <a:t>제작사</a:t>
+              </a:r>
+              <a:r>
+                <a:rPr kumimoji="0" lang="en-US" altLang="ko-KR" sz="1400" dirty="0" smtClean="0">
+                  <a:solidFill>
+                    <a:srgbClr val="3F3F48"/>
+                  </a:solidFill>
+                  <a:latin typeface="+mn-ea"/>
+                </a:rPr>
+                <a:t>, </a:t>
+              </a:r>
+              <a:r>
+                <a:rPr kumimoji="0" lang="ko-KR" altLang="en-US" sz="1400" dirty="0" smtClean="0">
+                  <a:solidFill>
+                    <a:srgbClr val="3F3F48"/>
+                  </a:solidFill>
+                  <a:latin typeface="+mn-ea"/>
+                </a:rPr>
+                <a:t>배우</a:t>
+              </a:r>
+              <a:r>
+                <a:rPr kumimoji="0" lang="en-US" altLang="ko-KR" sz="1400" dirty="0" smtClean="0">
+                  <a:solidFill>
+                    <a:srgbClr val="3F3F48"/>
+                  </a:solidFill>
+                  <a:latin typeface="+mn-ea"/>
+                </a:rPr>
+                <a:t>, </a:t>
+              </a:r>
+              <a:r>
+                <a:rPr kumimoji="0" lang="ko-KR" altLang="en-US" sz="1400" dirty="0" smtClean="0">
+                  <a:solidFill>
+                    <a:srgbClr val="3F3F48"/>
+                  </a:solidFill>
+                  <a:latin typeface="+mn-ea"/>
+                </a:rPr>
+                <a:t>감독 등</a:t>
+              </a:r>
+              <a:r>
+                <a:rPr kumimoji="0" lang="en-US" altLang="ko-KR" sz="1400" dirty="0" smtClean="0">
+                  <a:solidFill>
+                    <a:srgbClr val="3F3F48"/>
+                  </a:solidFill>
+                  <a:latin typeface="+mn-ea"/>
+                </a:rPr>
+                <a:t>)</a:t>
+              </a:r>
+              <a:r>
+                <a:rPr kumimoji="0" lang="ko-KR" altLang="en-US" sz="1400" dirty="0" smtClean="0">
+                  <a:solidFill>
+                    <a:srgbClr val="3F3F48"/>
+                  </a:solidFill>
+                  <a:latin typeface="+mn-ea"/>
+                </a:rPr>
+                <a:t>를 파악한다</a:t>
+              </a:r>
+              <a:r>
+                <a:rPr kumimoji="0" lang="en-US" altLang="ko-KR" sz="1400" dirty="0" smtClean="0">
                   <a:solidFill>
                     <a:srgbClr val="3F3F48"/>
                   </a:solidFill>
@@ -8392,6 +8435,12 @@
                 </a:rPr>
                 <a:t>.</a:t>
               </a:r>
+              <a:endParaRPr kumimoji="0" lang="en-US" altLang="ko-KR" sz="1400" dirty="0">
+                <a:solidFill>
+                  <a:srgbClr val="3F3F48"/>
+                </a:solidFill>
+                <a:latin typeface="+mn-ea"/>
+              </a:endParaRPr>
             </a:p>
           </p:txBody>
         </p:sp>
@@ -8738,7 +8787,34 @@
                   </a:solidFill>
                   <a:latin typeface="+mn-ea"/>
                 </a:rPr>
-                <a:t>에 수집한 데이터를 저장한다</a:t>
+                <a:t>에 </a:t>
+              </a:r>
+              <a:r>
+                <a:rPr kumimoji="0" lang="ko-KR" altLang="en-US" sz="1400" dirty="0" smtClean="0">
+                  <a:solidFill>
+                    <a:srgbClr val="3F3F48"/>
+                  </a:solidFill>
+                  <a:latin typeface="+mn-ea"/>
+                </a:rPr>
+                <a:t>테이블을 설계하고 수집한 </a:t>
+              </a:r>
+              <a:r>
+                <a:rPr kumimoji="0" lang="ko-KR" altLang="en-US" sz="1400" dirty="0">
+                  <a:solidFill>
+                    <a:srgbClr val="3F3F48"/>
+                  </a:solidFill>
+                  <a:latin typeface="+mn-ea"/>
+                </a:rPr>
+                <a:t>데이터를 </a:t>
+              </a:r>
+              <a:r>
+                <a:rPr kumimoji="0" lang="ko-KR" altLang="en-US" sz="1400" dirty="0" smtClean="0">
+                  <a:solidFill>
+                    <a:srgbClr val="3F3F48"/>
+                  </a:solidFill>
+                  <a:latin typeface="+mn-ea"/>
+                </a:rPr>
+                <a:t>저장한다</a:t>
               </a:r>
               <a:r>
                 <a:rPr kumimoji="0" lang="en-US" altLang="ko-KR" sz="1400" dirty="0">
@@ -9125,7 +9201,7 @@
                   </a:solidFill>
                   <a:latin typeface="+mn-ea"/>
                 </a:rPr>
-                <a:t>영화의 흥행과 </a:t>
+                <a:t>영화의 </a:t>
               </a:r>
               <a:r>
                 <a:rPr kumimoji="0" lang="ko-KR" altLang="en-US" sz="1400" dirty="0" smtClean="0">
@@ -9134,46 +9210,10 @@
                   </a:solidFill>
                   <a:latin typeface="+mn-ea"/>
                 </a:rPr>
-                <a:t>변수</a:t>
+                <a:t>흥행 관련 변수로 회귀분석</a:t>
               </a:r>
               <a:r>
                 <a:rPr kumimoji="0" lang="en-US" altLang="ko-KR" sz="1400" dirty="0" smtClean="0">
-                  <a:solidFill>
-                    <a:srgbClr val="3F3F48"/>
-                  </a:solidFill>
-                  <a:latin typeface="+mn-ea"/>
-                </a:rPr>
-                <a:t>(</a:t>
-              </a:r>
-              <a:r>
-                <a:rPr kumimoji="0" lang="ko-KR" altLang="en-US" sz="1400" dirty="0">
-                  <a:solidFill>
-                    <a:srgbClr val="3F3F48"/>
-                  </a:solidFill>
-                  <a:latin typeface="+mn-ea"/>
-                </a:rPr>
-                <a:t>감독</a:t>
-              </a:r>
-              <a:r>
-                <a:rPr kumimoji="0" lang="en-US" altLang="ko-KR" sz="1400" dirty="0">
-                  <a:solidFill>
-                    <a:srgbClr val="3F3F48"/>
-                  </a:solidFill>
-                  <a:latin typeface="+mn-ea"/>
-                </a:rPr>
-                <a:t>, </a:t>
-              </a:r>
-              <a:r>
-                <a:rPr kumimoji="0" lang="ko-KR" altLang="en-US" sz="1400" dirty="0">
-                  <a:solidFill>
-                    <a:srgbClr val="3F3F48"/>
-                  </a:solidFill>
-                  <a:latin typeface="+mn-ea"/>
-                </a:rPr>
-                <a:t>장르</a:t>
-              </a:r>
-              <a:r>
-                <a:rPr kumimoji="0" lang="en-US" altLang="ko-KR" sz="1400" dirty="0">
                   <a:solidFill>
                     <a:srgbClr val="3F3F48"/>
                   </a:solidFill>
@@ -9188,7 +9228,52 @@
                   </a:solidFill>
                   <a:latin typeface="+mn-ea"/>
                 </a:rPr>
-                <a:t>배우</a:t>
+                <a:t>상관관계 분석 등을 시행하고 </a:t>
+              </a:r>
+              <a:r>
+                <a:rPr kumimoji="0" lang="ko-KR" altLang="en-US" sz="1400" dirty="0" smtClean="0">
+                  <a:solidFill>
+                    <a:srgbClr val="3F3F48"/>
+                  </a:solidFill>
+                  <a:latin typeface="+mn-ea"/>
+                </a:rPr>
+                <a:t>그래프를 </a:t>
+              </a:r>
+              <a:r>
+                <a:rPr kumimoji="0" lang="ko-KR" altLang="en-US" sz="1400" dirty="0">
+                  <a:solidFill>
+                    <a:srgbClr val="3F3F48"/>
+                  </a:solidFill>
+                  <a:latin typeface="+mn-ea"/>
+                </a:rPr>
+                <a:t>통해서 </a:t>
+              </a:r>
+              <a:r>
+                <a:rPr kumimoji="0" lang="ko-KR" altLang="en-US" sz="1400" dirty="0" smtClean="0">
+                  <a:solidFill>
+                    <a:srgbClr val="3F3F48"/>
+                  </a:solidFill>
+                  <a:latin typeface="+mn-ea"/>
+                </a:rPr>
+                <a:t>시각화</a:t>
+              </a:r>
+              <a:r>
+                <a:rPr kumimoji="0" lang="en-US" altLang="ko-KR" sz="1400" dirty="0" smtClean="0">
+                  <a:solidFill>
+                    <a:srgbClr val="3F3F48"/>
+                  </a:solidFill>
+                  <a:latin typeface="+mn-ea"/>
+                </a:rPr>
+                <a:t>(</a:t>
+              </a:r>
+              <a:r>
+                <a:rPr kumimoji="0" lang="ko-KR" altLang="en-US" sz="1400" dirty="0" err="1" smtClean="0">
+                  <a:solidFill>
+                    <a:srgbClr val="3F3F48"/>
+                  </a:solidFill>
+                  <a:latin typeface="+mn-ea"/>
+                </a:rPr>
+                <a:t>산점도</a:t>
               </a:r>
               <a:r>
                 <a:rPr kumimoji="0" lang="en-US" altLang="ko-KR" sz="1400" dirty="0" smtClean="0">
@@ -9206,16 +9291,7 @@
                   </a:solidFill>
                   <a:latin typeface="+mn-ea"/>
                 </a:rPr>
-                <a:t>시기 </a:t>
-              </a:r>
-              <a:r>
-                <a:rPr kumimoji="0" lang="ko-KR" altLang="en-US" sz="1400" dirty="0">
-                  <a:solidFill>
-                    <a:srgbClr val="3F3F48"/>
-                  </a:solidFill>
-                  <a:latin typeface="+mn-ea"/>
-                </a:rPr>
-                <a:t>등</a:t>
+                <a:t>상자 수염 그래프 등</a:t>
               </a:r>
               <a:r>
                 <a:rPr kumimoji="0" lang="en-US" altLang="ko-KR" sz="1400" dirty="0" smtClean="0">
@@ -9233,54 +9309,7 @@
                   </a:solidFill>
                   <a:latin typeface="+mn-ea"/>
                 </a:rPr>
-                <a:t>의 상관관계</a:t>
-              </a:r>
-              <a:endParaRPr kumimoji="0" lang="en-US" altLang="ko-KR" sz="1400" dirty="0" smtClean="0">
-                <a:solidFill>
-                  <a:srgbClr val="3F3F48"/>
-                </a:solidFill>
-                <a:latin typeface="+mn-ea"/>
-              </a:endParaRPr>
-            </a:p>
-            <a:p>
-              <a:pPr marL="108000" fontAlgn="auto">
-                <a:lnSpc>
-                  <a:spcPct val="150000"/>
-                </a:lnSpc>
-                <a:spcBef>
-                  <a:spcPts val="0"/>
-                </a:spcBef>
-                <a:spcAft>
-                  <a:spcPts val="0"/>
-                </a:spcAft>
-                <a:defRPr/>
-              </a:pPr>
-              <a:r>
-                <a:rPr kumimoji="0" lang="ko-KR" altLang="en-US" sz="1400" dirty="0" err="1" smtClean="0">
-                  <a:solidFill>
-                    <a:srgbClr val="3F3F48"/>
-                  </a:solidFill>
-                  <a:latin typeface="+mn-ea"/>
-                </a:rPr>
-                <a:t>를</a:t>
-              </a:r>
-              <a:r>
-                <a:rPr kumimoji="0" lang="ko-KR" altLang="en-US" sz="1400" dirty="0" smtClean="0">
-                  <a:solidFill>
-                    <a:srgbClr val="3F3F48"/>
-                  </a:solidFill>
-                  <a:latin typeface="+mn-ea"/>
-                </a:rPr>
-                <a:t> 파악하고 그래프를 </a:t>
-              </a:r>
-              <a:r>
-                <a:rPr kumimoji="0" lang="ko-KR" altLang="en-US" sz="1400" dirty="0">
-                  <a:solidFill>
-                    <a:srgbClr val="3F3F48"/>
-                  </a:solidFill>
-                  <a:latin typeface="+mn-ea"/>
-                </a:rPr>
-                <a:t>통해서 시각화한다</a:t>
+                <a:t>한다</a:t>
               </a:r>
               <a:r>
                 <a:rPr kumimoji="0" lang="en-US" altLang="ko-KR" sz="1400" dirty="0">
@@ -9634,13 +9663,85 @@
                 <a:t>과 오픈</a:t>
               </a:r>
               <a:r>
-                <a:rPr kumimoji="0" lang="en-US" altLang="ko-KR" sz="1400" dirty="0">
+                <a:rPr kumimoji="0" lang="en-US" altLang="ko-KR" sz="1400" dirty="0" smtClean="0">
                   <a:solidFill>
                     <a:srgbClr val="3F3F48"/>
                   </a:solidFill>
                   <a:latin typeface="+mn-ea"/>
                 </a:rPr>
-                <a:t>API</a:t>
+                <a:t>API(</a:t>
+              </a:r>
+              <a:r>
+                <a:rPr kumimoji="0" lang="ko-KR" altLang="en-US" sz="1400" dirty="0" smtClean="0">
+                  <a:solidFill>
+                    <a:srgbClr val="3F3F48"/>
+                  </a:solidFill>
+                  <a:latin typeface="+mn-ea"/>
+                </a:rPr>
+                <a:t>영화진흥위원회</a:t>
+              </a:r>
+              <a:r>
+                <a:rPr kumimoji="0" lang="en-US" altLang="ko-KR" sz="1400" dirty="0" smtClean="0">
+                  <a:solidFill>
+                    <a:srgbClr val="3F3F48"/>
+                  </a:solidFill>
+                  <a:latin typeface="+mn-ea"/>
+                </a:rPr>
+                <a:t>, </a:t>
+              </a:r>
+              <a:r>
+                <a:rPr kumimoji="0" lang="ko-KR" altLang="en-US" sz="1400" dirty="0" err="1" smtClean="0">
+                  <a:solidFill>
+                    <a:srgbClr val="3F3F48"/>
+                  </a:solidFill>
+                  <a:latin typeface="+mn-ea"/>
+                </a:rPr>
+                <a:t>네이버</a:t>
+              </a:r>
+              <a:r>
+                <a:rPr kumimoji="0" lang="ko-KR" altLang="en-US" sz="1400" dirty="0" smtClean="0">
+                  <a:solidFill>
+                    <a:srgbClr val="3F3F48"/>
+                  </a:solidFill>
+                  <a:latin typeface="+mn-ea"/>
+                </a:rPr>
+                <a:t> 영화</a:t>
+              </a:r>
+              <a:r>
+                <a:rPr kumimoji="0" lang="en-US" altLang="ko-KR" sz="1400" dirty="0" smtClean="0">
+                  <a:solidFill>
+                    <a:srgbClr val="3F3F48"/>
+                  </a:solidFill>
+                  <a:latin typeface="+mn-ea"/>
+                </a:rPr>
+                <a:t>)</a:t>
+              </a:r>
+              <a:r>
+                <a:rPr kumimoji="0" lang="en-US" altLang="ko-KR" sz="1400" dirty="0" smtClean="0">
+                  <a:solidFill>
+                    <a:srgbClr val="3F3F48"/>
+                  </a:solidFill>
+                  <a:latin typeface="+mn-ea"/>
+                </a:rPr>
+                <a:t>, selenium </a:t>
+              </a:r>
+              <a:r>
+                <a:rPr kumimoji="0" lang="ko-KR" altLang="en-US" sz="1400" dirty="0" smtClean="0">
+                  <a:solidFill>
+                    <a:srgbClr val="3F3F48"/>
+                  </a:solidFill>
+                  <a:latin typeface="+mn-ea"/>
+                </a:rPr>
+                <a:t>등을</a:t>
+              </a:r>
+              <a:r>
+                <a:rPr kumimoji="0" lang="ko-KR" altLang="en-US" sz="1400" dirty="0" smtClean="0">
+                  <a:solidFill>
+                    <a:srgbClr val="3F3F48"/>
+                  </a:solidFill>
+                  <a:latin typeface="+mn-ea"/>
+                </a:rPr>
+                <a:t> </a:t>
               </a:r>
               <a:r>
                 <a:rPr kumimoji="0" lang="ko-KR" altLang="en-US" sz="1400" dirty="0">
@@ -9649,28 +9750,8 @@
                   </a:solidFill>
                   <a:latin typeface="+mn-ea"/>
                 </a:rPr>
-                <a:t>를 이용하여 영화 흥행과 관련된 데이터를 </a:t>
+                <a:t>이용하여 영화 흥행과 관련된 데이터를 </a:t>
               </a:r>
-              <a:endParaRPr kumimoji="0" lang="en-US" altLang="ko-KR" sz="1400" dirty="0" smtClean="0">
-                <a:solidFill>
-                  <a:srgbClr val="3F3F48"/>
-                </a:solidFill>
-                <a:latin typeface="+mn-ea"/>
-              </a:endParaRPr>
-            </a:p>
-            <a:p>
-              <a:pPr marL="108000" fontAlgn="auto">
-                <a:lnSpc>
-                  <a:spcPct val="150000"/>
-                </a:lnSpc>
-                <a:spcBef>
-                  <a:spcPts val="0"/>
-                </a:spcBef>
-                <a:spcAft>
-                  <a:spcPts val="0"/>
-                </a:spcAft>
-                <a:defRPr/>
-              </a:pPr>
               <a:r>
                 <a:rPr kumimoji="0" lang="ko-KR" altLang="en-US" sz="1400" dirty="0" smtClean="0">
                   <a:solidFill>
@@ -10044,48 +10125,10 @@
                   </a:solidFill>
                   <a:latin typeface="+mn-ea"/>
                 </a:rPr>
-                <a:t>개봉예정 영화의 관객수 </a:t>
+                <a:t>회귀를 통한 지도학습을 수행하고 관객수를 예측한다</a:t>
               </a:r>
               <a:r>
-                <a:rPr kumimoji="0" lang="ko-KR" altLang="en-US" sz="1400" dirty="0">
-                  <a:solidFill>
-                    <a:srgbClr val="3F3F48"/>
-                  </a:solidFill>
-                  <a:latin typeface="+mn-ea"/>
-                </a:rPr>
-                <a:t>예측을 위한 기계학습을 </a:t>
-              </a:r>
-              <a:endParaRPr kumimoji="0" lang="en-US" altLang="ko-KR" sz="1400" dirty="0" smtClean="0">
-                <a:solidFill>
-                  <a:srgbClr val="3F3F48"/>
-                </a:solidFill>
-                <a:latin typeface="+mn-ea"/>
-              </a:endParaRPr>
-            </a:p>
-            <a:p>
-              <a:pPr marL="108000" fontAlgn="auto">
-                <a:lnSpc>
-                  <a:spcPct val="150000"/>
-                </a:lnSpc>
-                <a:spcBef>
-                  <a:spcPts val="0"/>
-                </a:spcBef>
-                <a:spcAft>
-                  <a:spcPts val="0"/>
-                </a:spcAft>
-                <a:defRPr/>
-              </a:pPr>
-              <a:r>
-                <a:rPr kumimoji="0" lang="ko-KR" altLang="en-US" sz="1400" dirty="0" smtClean="0">
-                  <a:solidFill>
-                    <a:srgbClr val="3F3F48"/>
-                  </a:solidFill>
-                  <a:latin typeface="+mn-ea"/>
-                </a:rPr>
-                <a:t>수행한다</a:t>
-              </a:r>
-              <a:r>
-                <a:rPr kumimoji="0" lang="en-US" altLang="ko-KR" sz="1400" dirty="0">
+                <a:rPr kumimoji="0" lang="en-US" altLang="ko-KR" sz="1400" dirty="0" smtClean="0">
                   <a:solidFill>
                     <a:srgbClr val="3F3F48"/>
                   </a:solidFill>
@@ -10093,6 +10136,12 @@
                 </a:rPr>
                 <a:t>.</a:t>
               </a:r>
+              <a:endParaRPr kumimoji="0" lang="en-US" altLang="ko-KR" sz="1400" dirty="0">
+                <a:solidFill>
+                  <a:srgbClr val="3F3F48"/>
+                </a:solidFill>
+                <a:latin typeface="+mn-ea"/>
+              </a:endParaRPr>
             </a:p>
           </p:txBody>
         </p:sp>
@@ -11131,7 +11180,7 @@
               <a:t>  </a:t>
             </a:r>
             <a:r>
-              <a:rPr lang="en-US" altLang="ko-KR" sz="1000" dirty="0">
+              <a:rPr lang="en-US" altLang="ko-KR" sz="1000" dirty="0" smtClean="0">
                 <a:solidFill>
                   <a:srgbClr val="4B2F70"/>
                 </a:solidFill>
@@ -11140,13 +11189,22 @@
               <a:t>- </a:t>
             </a:r>
             <a:r>
-              <a:rPr lang="ko-KR" altLang="en-US" sz="1000" dirty="0" smtClean="0">
+              <a:rPr lang="ko-KR" altLang="en-US" sz="1000" dirty="0">
                 <a:solidFill>
                   <a:srgbClr val="4B2F70"/>
                 </a:solidFill>
                 <a:ea typeface="맑은 고딕" panose="020B0503020000020004" pitchFamily="50" charset="-127"/>
               </a:rPr>
-              <a:t>예측 모델 평가</a:t>
+              <a:t>예측 모델 </a:t>
+            </a:r>
+            <a:r>
+              <a:rPr lang="ko-KR" altLang="en-US" sz="1000" dirty="0" smtClean="0">
+                <a:solidFill>
+                  <a:srgbClr val="4B2F70"/>
+                </a:solidFill>
+                <a:ea typeface="맑은 고딕" panose="020B0503020000020004" pitchFamily="50" charset="-127"/>
+              </a:rPr>
+              <a:t>생성</a:t>
             </a:r>
             <a:endParaRPr lang="en-US" altLang="ko-KR" sz="1000" dirty="0">
               <a:solidFill>
@@ -11487,7 +11545,16 @@
                 </a:solidFill>
                 <a:ea typeface="맑은 고딕" panose="020B0503020000020004" pitchFamily="50" charset="-127"/>
               </a:rPr>
-              <a:t>예측 모델 생성</a:t>
+              <a:t>예측 모델 </a:t>
+            </a:r>
+            <a:r>
+              <a:rPr lang="ko-KR" altLang="en-US" sz="1000" dirty="0" smtClean="0">
+                <a:solidFill>
+                  <a:srgbClr val="4B2F70"/>
+                </a:solidFill>
+                <a:ea typeface="맑은 고딕" panose="020B0503020000020004" pitchFamily="50" charset="-127"/>
+              </a:rPr>
+              <a:t>생성</a:t>
             </a:r>
             <a:endParaRPr lang="en-US" altLang="ko-KR" sz="1000" dirty="0" smtClean="0">
               <a:solidFill>
@@ -11975,7 +12042,7 @@
               <a:t>  </a:t>
             </a:r>
             <a:r>
-              <a:rPr lang="en-US" altLang="ko-KR" sz="1000" dirty="0">
+              <a:rPr lang="en-US" altLang="ko-KR" sz="1000" dirty="0" smtClean="0">
                 <a:solidFill>
                   <a:srgbClr val="4B2F70"/>
                 </a:solidFill>
@@ -11990,9 +12057,27 @@
                 </a:solidFill>
                 <a:ea typeface="맑은 고딕" panose="020B0503020000020004" pitchFamily="50" charset="-127"/>
               </a:rPr>
-              <a:t>예측 모델 생성</a:t>
-            </a:r>
-            <a:endParaRPr lang="en-US" altLang="ko-KR" sz="1000" dirty="0" smtClean="0">
+              <a:t>예측 </a:t>
+            </a:r>
+            <a:r>
+              <a:rPr lang="ko-KR" altLang="en-US" sz="1000" dirty="0">
+                <a:solidFill>
+                  <a:srgbClr val="4B2F70"/>
+                </a:solidFill>
+                <a:ea typeface="맑은 고딕" panose="020B0503020000020004" pitchFamily="50" charset="-127"/>
+              </a:rPr>
+              <a:t>모델 </a:t>
+            </a:r>
+            <a:r>
+              <a:rPr lang="ko-KR" altLang="en-US" sz="1000" dirty="0" smtClean="0">
+                <a:solidFill>
+                  <a:srgbClr val="4B2F70"/>
+                </a:solidFill>
+                <a:ea typeface="맑은 고딕" panose="020B0503020000020004" pitchFamily="50" charset="-127"/>
+              </a:rPr>
+              <a:t>생성</a:t>
+            </a:r>
+            <a:endParaRPr lang="en-US" altLang="ko-KR" sz="1000" dirty="0">
               <a:solidFill>
                 <a:srgbClr val="4B2F70"/>
               </a:solidFill>
@@ -12166,21 +12251,21 @@
                 <a:gridCol w="1319909">
                   <a:extLst>
                     <a:ext uri="{9D8B030D-6E8A-4147-A177-3AD203B41FA5}">
-                      <a16:colId xmlns:a16="http://schemas.microsoft.com/office/drawing/2014/main" xmlns="" val="20000"/>
+                      <a16:colId xmlns="" xmlns:a16="http://schemas.microsoft.com/office/drawing/2014/main" val="20000"/>
                     </a:ext>
                   </a:extLst>
                 </a:gridCol>
                 <a:gridCol w="1320694">
                   <a:extLst>
                     <a:ext uri="{9D8B030D-6E8A-4147-A177-3AD203B41FA5}">
-                      <a16:colId xmlns:a16="http://schemas.microsoft.com/office/drawing/2014/main" xmlns="" val="20001"/>
+                      <a16:colId xmlns="" xmlns:a16="http://schemas.microsoft.com/office/drawing/2014/main" val="20001"/>
                     </a:ext>
                   </a:extLst>
                 </a:gridCol>
                 <a:gridCol w="1185438">
                   <a:extLst>
                     <a:ext uri="{9D8B030D-6E8A-4147-A177-3AD203B41FA5}">
-                      <a16:colId xmlns:a16="http://schemas.microsoft.com/office/drawing/2014/main" xmlns="" val="20008"/>
+                      <a16:colId xmlns="" xmlns:a16="http://schemas.microsoft.com/office/drawing/2014/main" val="20008"/>
                     </a:ext>
                   </a:extLst>
                 </a:gridCol>
@@ -12819,7 +12904,7 @@
                 </a:tc>
                 <a:extLst>
                   <a:ext uri="{0D108BD9-81ED-4DB2-BD59-A6C34878D82A}">
-                    <a16:rowId xmlns:a16="http://schemas.microsoft.com/office/drawing/2014/main" xmlns="" val="10000"/>
+                    <a16:rowId xmlns="" xmlns:a16="http://schemas.microsoft.com/office/drawing/2014/main" val="10000"/>
                   </a:ext>
                 </a:extLst>
               </a:tr>
@@ -13188,7 +13273,7 @@
                 </a:tc>
                 <a:extLst>
                   <a:ext uri="{0D108BD9-81ED-4DB2-BD59-A6C34878D82A}">
-                    <a16:rowId xmlns:a16="http://schemas.microsoft.com/office/drawing/2014/main" xmlns="" val="10002"/>
+                    <a16:rowId xmlns="" xmlns:a16="http://schemas.microsoft.com/office/drawing/2014/main" val="10002"/>
                   </a:ext>
                 </a:extLst>
               </a:tr>

--- a/프로젝트 기획안(양식)_(NA팀).pptx
+++ b/프로젝트 기획안(양식)_(NA팀).pptx
@@ -20,7 +20,7 @@
   <p:notesSz cx="6858000" cy="9144000"/>
   <p:embeddedFontLst>
     <p:embeddedFont>
-      <p:font typeface="맑은 고딕" pitchFamily="50" charset="-127"/>
+      <p:font typeface="맑은 고딕" panose="020B0503020000020004" pitchFamily="50" charset="-127"/>
       <p:regular r:id="rId10"/>
       <p:bold r:id="rId11"/>
     </p:embeddedFont>
@@ -152,7 +152,7 @@
   </p:defaultTextStyle>
   <p:extLst>
     <p:ext uri="{EFAFB233-063F-42B5-8137-9DF3F51BA10A}">
-      <p15:sldGuideLst xmlns="" xmlns:p15="http://schemas.microsoft.com/office/powerpoint/2012/main">
+      <p15:sldGuideLst xmlns:p15="http://schemas.microsoft.com/office/powerpoint/2012/main">
         <p15:guide id="1" orient="horz" pos="2160">
           <p15:clr>
             <a:srgbClr val="A4A3A4"/>
@@ -281,7 +281,7 @@
               <a:pPr>
                 <a:defRPr/>
               </a:pPr>
-              <a:t>2019-06-12</a:t>
+              <a:t>2019-06-13</a:t>
             </a:fld>
             <a:endParaRPr lang="ko-KR" altLang="en-US"/>
           </a:p>
@@ -798,7 +798,7 @@
               <a:pPr>
                 <a:defRPr/>
               </a:pPr>
-              <a:t>2019-06-12</a:t>
+              <a:t>2019-06-13</a:t>
             </a:fld>
             <a:endParaRPr lang="ko-KR" altLang="en-US"/>
           </a:p>
@@ -995,7 +995,7 @@
               <a:pPr>
                 <a:defRPr/>
               </a:pPr>
-              <a:t>2019-06-12</a:t>
+              <a:t>2019-06-13</a:t>
             </a:fld>
             <a:endParaRPr lang="ko-KR" altLang="en-US"/>
           </a:p>
@@ -1202,7 +1202,7 @@
               <a:pPr>
                 <a:defRPr/>
               </a:pPr>
-              <a:t>2019-06-12</a:t>
+              <a:t>2019-06-13</a:t>
             </a:fld>
             <a:endParaRPr lang="ko-KR" altLang="en-US"/>
           </a:p>
@@ -1399,7 +1399,7 @@
               <a:pPr>
                 <a:defRPr/>
               </a:pPr>
-              <a:t>2019-06-12</a:t>
+              <a:t>2019-06-13</a:t>
             </a:fld>
             <a:endParaRPr lang="ko-KR" altLang="en-US"/>
           </a:p>
@@ -1672,7 +1672,7 @@
               <a:pPr>
                 <a:defRPr/>
               </a:pPr>
-              <a:t>2019-06-12</a:t>
+              <a:t>2019-06-13</a:t>
             </a:fld>
             <a:endParaRPr lang="ko-KR" altLang="en-US"/>
           </a:p>
@@ -1987,7 +1987,7 @@
               <a:pPr>
                 <a:defRPr/>
               </a:pPr>
-              <a:t>2019-06-12</a:t>
+              <a:t>2019-06-13</a:t>
             </a:fld>
             <a:endParaRPr lang="ko-KR" altLang="en-US"/>
           </a:p>
@@ -2436,7 +2436,7 @@
               <a:pPr>
                 <a:defRPr/>
               </a:pPr>
-              <a:t>2019-06-12</a:t>
+              <a:t>2019-06-13</a:t>
             </a:fld>
             <a:endParaRPr lang="ko-KR" altLang="en-US"/>
           </a:p>
@@ -2581,7 +2581,7 @@
               <a:pPr>
                 <a:defRPr/>
               </a:pPr>
-              <a:t>2019-06-12</a:t>
+              <a:t>2019-06-13</a:t>
             </a:fld>
             <a:endParaRPr lang="ko-KR" altLang="en-US"/>
           </a:p>
@@ -3053,7 +3053,7 @@
               <a:pPr>
                 <a:defRPr/>
               </a:pPr>
-              <a:t>2019-06-12</a:t>
+              <a:t>2019-06-13</a:t>
             </a:fld>
             <a:endParaRPr lang="ko-KR" altLang="en-US"/>
           </a:p>
@@ -3336,7 +3336,7 @@
               <a:pPr>
                 <a:defRPr/>
               </a:pPr>
-              <a:t>2019-06-12</a:t>
+              <a:t>2019-06-13</a:t>
             </a:fld>
             <a:endParaRPr lang="ko-KR" altLang="en-US"/>
           </a:p>
@@ -3632,7 +3632,7 @@
               <a:pPr>
                 <a:defRPr/>
               </a:pPr>
-              <a:t>2019-06-12</a:t>
+              <a:t>2019-06-13</a:t>
             </a:fld>
             <a:endParaRPr lang="ko-KR" altLang="en-US"/>
           </a:p>
@@ -8316,16 +8316,7 @@
                   </a:solidFill>
                   <a:latin typeface="+mn-ea"/>
                 </a:rPr>
-                <a:t>영화의 흥행과 </a:t>
-              </a:r>
-              <a:r>
-                <a:rPr kumimoji="0" lang="ko-KR" altLang="en-US" sz="1400" dirty="0">
-                  <a:solidFill>
-                    <a:srgbClr val="3F3F48"/>
-                  </a:solidFill>
-                  <a:latin typeface="+mn-ea"/>
-                </a:rPr>
-                <a:t>관련된 </a:t>
+                <a:t>영화 관객수와 관련된 </a:t>
               </a:r>
               <a:r>
                 <a:rPr kumimoji="0" lang="ko-KR" altLang="en-US" sz="1400" dirty="0" smtClean="0">
@@ -8388,7 +8379,7 @@
                   </a:solidFill>
                   <a:latin typeface="+mn-ea"/>
                 </a:rPr>
-                <a:t>배우</a:t>
+                <a:t>국가</a:t>
               </a:r>
               <a:r>
                 <a:rPr kumimoji="0" lang="en-US" altLang="ko-KR" sz="1400" dirty="0" smtClean="0">
@@ -8406,7 +8397,7 @@
                   </a:solidFill>
                   <a:latin typeface="+mn-ea"/>
                 </a:rPr>
-                <a:t>감독 등</a:t>
+                <a:t>인물 등</a:t>
               </a:r>
               <a:r>
                 <a:rPr kumimoji="0" lang="en-US" altLang="ko-KR" sz="1400" dirty="0" smtClean="0">
@@ -8424,7 +8415,25 @@
                   </a:solidFill>
                   <a:latin typeface="+mn-ea"/>
                 </a:rPr>
-                <a:t>를 파악한다</a:t>
+                <a:t>를 </a:t>
+              </a:r>
+              <a:r>
+                <a:rPr kumimoji="0" lang="ko-KR" altLang="en-US" sz="1400" dirty="0" smtClean="0">
+                  <a:solidFill>
+                    <a:srgbClr val="3F3F48"/>
+                  </a:solidFill>
+                  <a:latin typeface="+mn-ea"/>
+                </a:rPr>
+                <a:t>선정</a:t>
+              </a:r>
+              <a:r>
+                <a:rPr kumimoji="0" lang="ko-KR" altLang="en-US" sz="1400" dirty="0" smtClean="0">
+                  <a:solidFill>
+                    <a:srgbClr val="3F3F48"/>
+                  </a:solidFill>
+                  <a:latin typeface="+mn-ea"/>
+                </a:rPr>
+                <a:t>한다</a:t>
               </a:r>
               <a:r>
                 <a:rPr kumimoji="0" lang="en-US" altLang="ko-KR" sz="1400" dirty="0" smtClean="0">
@@ -8772,7 +8781,7 @@
                 <a:defRPr/>
               </a:pPr>
               <a:r>
-                <a:rPr kumimoji="0" lang="en-US" altLang="ko-KR" sz="1400" dirty="0" err="1">
+                <a:rPr kumimoji="0" lang="en-US" altLang="ko-KR" sz="1400" dirty="0" err="1" smtClean="0">
                   <a:solidFill>
                     <a:srgbClr val="3F3F48"/>
                   </a:solidFill>
@@ -8781,13 +8790,13 @@
                 <a:t>OracleDB</a:t>
               </a:r>
               <a:r>
-                <a:rPr kumimoji="0" lang="ko-KR" altLang="en-US" sz="1400" dirty="0">
+                <a:rPr kumimoji="0" lang="ko-KR" altLang="en-US" sz="1400" dirty="0" smtClean="0">
                   <a:solidFill>
                     <a:srgbClr val="3F3F48"/>
                   </a:solidFill>
                   <a:latin typeface="+mn-ea"/>
                 </a:rPr>
-                <a:t>에 </a:t>
+                <a:t>를 </a:t>
               </a:r>
               <a:r>
                 <a:rPr kumimoji="0" lang="ko-KR" altLang="en-US" sz="1400" dirty="0" smtClean="0">
@@ -8796,7 +8805,90 @@
                   </a:solidFill>
                   <a:latin typeface="+mn-ea"/>
                 </a:rPr>
-                <a:t>테이블을 설계하고 수집한 </a:t>
+                <a:t>이용하여</a:t>
+              </a:r>
+              <a:r>
+                <a:rPr kumimoji="0" lang="ko-KR" altLang="en-US" sz="1400" dirty="0" smtClean="0">
+                  <a:solidFill>
+                    <a:srgbClr val="3F3F48"/>
+                  </a:solidFill>
+                  <a:latin typeface="+mn-ea"/>
+                </a:rPr>
+                <a:t> </a:t>
+              </a:r>
+              <a:r>
+                <a:rPr kumimoji="0" lang="ko-KR" altLang="en-US" sz="1400" dirty="0" smtClean="0">
+                  <a:solidFill>
+                    <a:srgbClr val="3F3F48"/>
+                  </a:solidFill>
+                  <a:latin typeface="+mn-ea"/>
+                </a:rPr>
+                <a:t>데이터베이스</a:t>
+              </a:r>
+              <a:r>
+                <a:rPr kumimoji="0" lang="ko-KR" altLang="en-US" sz="1400" dirty="0">
+                  <a:solidFill>
+                    <a:srgbClr val="3F3F48"/>
+                  </a:solidFill>
+                  <a:latin typeface="+mn-ea"/>
+                </a:rPr>
+                <a:t>를</a:t>
+              </a:r>
+              <a:r>
+                <a:rPr kumimoji="0" lang="ko-KR" altLang="en-US" sz="1400" dirty="0" smtClean="0">
+                  <a:solidFill>
+                    <a:srgbClr val="3F3F48"/>
+                  </a:solidFill>
+                  <a:latin typeface="+mn-ea"/>
+                </a:rPr>
+                <a:t> 설계하고</a:t>
+              </a:r>
+              <a:r>
+                <a:rPr kumimoji="0" lang="en-US" altLang="ko-KR" sz="1400" dirty="0" smtClean="0">
+                  <a:solidFill>
+                    <a:srgbClr val="3F3F48"/>
+                  </a:solidFill>
+                  <a:latin typeface="+mn-ea"/>
+                </a:rPr>
+                <a:t>,</a:t>
+              </a:r>
+              <a:r>
+                <a:rPr kumimoji="0" lang="ko-KR" altLang="en-US" sz="1400" dirty="0" smtClean="0">
+                  <a:solidFill>
+                    <a:srgbClr val="3F3F48"/>
+                  </a:solidFill>
+                  <a:latin typeface="+mn-ea"/>
+                </a:rPr>
+                <a:t> </a:t>
+              </a:r>
+              <a:endParaRPr kumimoji="0" lang="en-US" altLang="ko-KR" sz="1400" dirty="0" smtClean="0">
+                <a:solidFill>
+                  <a:srgbClr val="3F3F48"/>
+                </a:solidFill>
+                <a:latin typeface="+mn-ea"/>
+              </a:endParaRPr>
+            </a:p>
+            <a:p>
+              <a:pPr marL="108000" fontAlgn="auto">
+                <a:lnSpc>
+                  <a:spcPct val="150000"/>
+                </a:lnSpc>
+                <a:spcBef>
+                  <a:spcPts val="0"/>
+                </a:spcBef>
+                <a:spcAft>
+                  <a:spcPts val="0"/>
+                </a:spcAft>
+                <a:defRPr/>
+              </a:pPr>
+              <a:r>
+                <a:rPr kumimoji="0" lang="ko-KR" altLang="en-US" sz="1400" dirty="0" smtClean="0">
+                  <a:solidFill>
+                    <a:srgbClr val="3F3F48"/>
+                  </a:solidFill>
+                  <a:latin typeface="+mn-ea"/>
+                </a:rPr>
+                <a:t>수집한 </a:t>
               </a:r>
               <a:r>
                 <a:rPr kumimoji="0" lang="ko-KR" altLang="en-US" sz="1400" dirty="0">
@@ -9195,13 +9287,22 @@
                 <a:t>하여 </a:t>
               </a:r>
               <a:r>
-                <a:rPr kumimoji="0" lang="ko-KR" altLang="en-US" sz="1400" dirty="0">
+                <a:rPr kumimoji="0" lang="ko-KR" altLang="en-US" sz="1400" dirty="0" smtClean="0">
                   <a:solidFill>
                     <a:srgbClr val="3F3F48"/>
                   </a:solidFill>
                   <a:latin typeface="+mn-ea"/>
                 </a:rPr>
-                <a:t>영화의 </a:t>
+                <a:t>영화 데이터의 통계분석</a:t>
+              </a:r>
+              <a:r>
+                <a:rPr kumimoji="0" lang="en-US" altLang="ko-KR" sz="1400" dirty="0" smtClean="0">
+                  <a:solidFill>
+                    <a:srgbClr val="3F3F48"/>
+                  </a:solidFill>
+                  <a:latin typeface="+mn-ea"/>
+                </a:rPr>
+                <a:t>(</a:t>
               </a:r>
               <a:r>
                 <a:rPr kumimoji="0" lang="ko-KR" altLang="en-US" sz="1400" dirty="0" smtClean="0">
@@ -9210,7 +9311,7 @@
                   </a:solidFill>
                   <a:latin typeface="+mn-ea"/>
                 </a:rPr>
-                <a:t>흥행 관련 변수로 회귀분석</a:t>
+                <a:t>선형 회귀 분석</a:t>
               </a:r>
               <a:r>
                 <a:rPr kumimoji="0" lang="en-US" altLang="ko-KR" sz="1400" dirty="0" smtClean="0">
@@ -9228,7 +9329,7 @@
                   </a:solidFill>
                   <a:latin typeface="+mn-ea"/>
                 </a:rPr>
-                <a:t>상관관계 분석 등을 시행하고 </a:t>
+                <a:t>상관관계 분석 </a:t>
               </a:r>
               <a:r>
                 <a:rPr kumimoji="0" lang="ko-KR" altLang="en-US" sz="1400" dirty="0" smtClean="0">
@@ -9237,7 +9338,34 @@
                   </a:solidFill>
                   <a:latin typeface="+mn-ea"/>
                 </a:rPr>
-                <a:t>그래프를 </a:t>
+                <a:t>등</a:t>
+              </a:r>
+              <a:r>
+                <a:rPr kumimoji="0" lang="en-US" altLang="ko-KR" sz="1400" dirty="0" smtClean="0">
+                  <a:solidFill>
+                    <a:srgbClr val="3F3F48"/>
+                  </a:solidFill>
+                  <a:latin typeface="+mn-ea"/>
+                </a:rPr>
+                <a:t>)</a:t>
+              </a:r>
+              <a:r>
+                <a:rPr kumimoji="0" lang="ko-KR" altLang="en-US" sz="1400" dirty="0" smtClean="0">
+                  <a:solidFill>
+                    <a:srgbClr val="3F3F48"/>
+                  </a:solidFill>
+                  <a:latin typeface="+mn-ea"/>
+                </a:rPr>
+                <a:t>을 </a:t>
+              </a:r>
+              <a:r>
+                <a:rPr kumimoji="0" lang="ko-KR" altLang="en-US" sz="1400" dirty="0" smtClean="0">
+                  <a:solidFill>
+                    <a:srgbClr val="3F3F48"/>
+                  </a:solidFill>
+                  <a:latin typeface="+mn-ea"/>
+                </a:rPr>
+                <a:t>시행하고 그래프를 </a:t>
               </a:r>
               <a:r>
                 <a:rPr kumimoji="0" lang="ko-KR" altLang="en-US" sz="1400" dirty="0">
@@ -9645,22 +9773,13 @@
                 <a:defRPr/>
               </a:pPr>
               <a:r>
-                <a:rPr kumimoji="0" lang="en-US" altLang="ko-KR" sz="1400" dirty="0" err="1">
+                <a:rPr kumimoji="0" lang="ko-KR" altLang="en-US" sz="1400" dirty="0" smtClean="0">
                   <a:solidFill>
                     <a:srgbClr val="3F3F48"/>
                   </a:solidFill>
                   <a:latin typeface="+mn-ea"/>
                 </a:rPr>
-                <a:t>BeautifulSoup</a:t>
-              </a:r>
-              <a:r>
-                <a:rPr kumimoji="0" lang="ko-KR" altLang="en-US" sz="1400" dirty="0">
-                  <a:solidFill>
-                    <a:srgbClr val="3F3F48"/>
-                  </a:solidFill>
-                  <a:latin typeface="+mn-ea"/>
-                </a:rPr>
-                <a:t>과 오픈</a:t>
+                <a:t>오픈</a:t>
               </a:r>
               <a:r>
                 <a:rPr kumimoji="0" lang="en-US" altLang="ko-KR" sz="1400" dirty="0" smtClean="0">
@@ -9690,13 +9809,40 @@
                 <a:t>, </a:t>
               </a:r>
               <a:r>
-                <a:rPr kumimoji="0" lang="ko-KR" altLang="en-US" sz="1400" dirty="0" err="1" smtClean="0">
+                <a:rPr kumimoji="0" lang="ko-KR" altLang="en-US" sz="1400" dirty="0" smtClean="0">
                   <a:solidFill>
                     <a:srgbClr val="3F3F48"/>
                   </a:solidFill>
                   <a:latin typeface="+mn-ea"/>
                 </a:rPr>
-                <a:t>네이버</a:t>
+                <a:t>네이버 영화 등</a:t>
+              </a:r>
+              <a:r>
+                <a:rPr kumimoji="0" lang="en-US" altLang="ko-KR" sz="1400" dirty="0">
+                  <a:solidFill>
+                    <a:srgbClr val="3F3F48"/>
+                  </a:solidFill>
+                  <a:latin typeface="+mn-ea"/>
+                </a:rPr>
+                <a:t>), </a:t>
+              </a:r>
+              <a:r>
+                <a:rPr kumimoji="0" lang="en-US" altLang="ko-KR" sz="1400" dirty="0" err="1" smtClean="0">
+                  <a:solidFill>
+                    <a:srgbClr val="3F3F48"/>
+                  </a:solidFill>
+                  <a:latin typeface="+mn-ea"/>
+                </a:rPr>
+                <a:t>BeautifulSoup</a:t>
+              </a:r>
+              <a:r>
+                <a:rPr kumimoji="0" lang="en-US" altLang="ko-KR" sz="1400" dirty="0" smtClean="0">
+                  <a:solidFill>
+                    <a:srgbClr val="3F3F48"/>
+                  </a:solidFill>
+                  <a:latin typeface="+mn-ea"/>
+                </a:rPr>
+                <a:t>,</a:t>
               </a:r>
               <a:r>
                 <a:rPr kumimoji="0" lang="ko-KR" altLang="en-US" sz="1400" dirty="0" smtClean="0">
@@ -9705,7 +9851,7 @@
                   </a:solidFill>
                   <a:latin typeface="+mn-ea"/>
                 </a:rPr>
-                <a:t> 영화</a:t>
+                <a:t> </a:t>
               </a:r>
               <a:r>
                 <a:rPr kumimoji="0" lang="en-US" altLang="ko-KR" sz="1400" dirty="0" smtClean="0">
@@ -9714,16 +9860,7 @@
                   </a:solidFill>
                   <a:latin typeface="+mn-ea"/>
                 </a:rPr>
-                <a:t>)</a:t>
-              </a:r>
-              <a:r>
-                <a:rPr kumimoji="0" lang="en-US" altLang="ko-KR" sz="1400" dirty="0" smtClean="0">
-                  <a:solidFill>
-                    <a:srgbClr val="3F3F48"/>
-                  </a:solidFill>
-                  <a:latin typeface="+mn-ea"/>
-                </a:rPr>
-                <a:t>, selenium </a:t>
+                <a:t>selenium </a:t>
               </a:r>
               <a:r>
                 <a:rPr kumimoji="0" lang="ko-KR" altLang="en-US" sz="1400" dirty="0" smtClean="0">
@@ -9732,7 +9869,34 @@
                   </a:solidFill>
                   <a:latin typeface="+mn-ea"/>
                 </a:rPr>
-                <a:t>등을</a:t>
+                <a:t>등을 </a:t>
+              </a:r>
+              <a:r>
+                <a:rPr kumimoji="0" lang="ko-KR" altLang="en-US" sz="1400" dirty="0">
+                  <a:solidFill>
+                    <a:srgbClr val="3F3F48"/>
+                  </a:solidFill>
+                  <a:latin typeface="+mn-ea"/>
+                </a:rPr>
+                <a:t>이용하여 영화 </a:t>
+              </a:r>
+              <a:r>
+                <a:rPr kumimoji="0" lang="ko-KR" altLang="en-US" sz="1400" dirty="0" smtClean="0">
+                  <a:solidFill>
+                    <a:srgbClr val="3F3F48"/>
+                  </a:solidFill>
+                  <a:latin typeface="+mn-ea"/>
+                </a:rPr>
+                <a:t>관객수</a:t>
+              </a:r>
+              <a:r>
+                <a:rPr kumimoji="0" lang="ko-KR" altLang="en-US" sz="1400" dirty="0">
+                  <a:solidFill>
+                    <a:srgbClr val="3F3F48"/>
+                  </a:solidFill>
+                  <a:latin typeface="+mn-ea"/>
+                </a:rPr>
+                <a:t>와</a:t>
               </a:r>
               <a:r>
                 <a:rPr kumimoji="0" lang="ko-KR" altLang="en-US" sz="1400" dirty="0" smtClean="0">
@@ -9750,7 +9914,7 @@
                   </a:solidFill>
                   <a:latin typeface="+mn-ea"/>
                 </a:rPr>
-                <a:t>이용하여 영화 흥행과 관련된 데이터를 </a:t>
+                <a:t>관련된 데이터를 </a:t>
               </a:r>
               <a:r>
                 <a:rPr kumimoji="0" lang="ko-KR" altLang="en-US" sz="1400" dirty="0" smtClean="0">
@@ -10116,7 +10280,7 @@
                   </a:solidFill>
                   <a:latin typeface="+mn-ea"/>
                 </a:rPr>
-                <a:t>를 이용하여 </a:t>
+                <a:t>를 </a:t>
               </a:r>
               <a:r>
                 <a:rPr kumimoji="0" lang="ko-KR" altLang="en-US" sz="1400" dirty="0" smtClean="0">
@@ -10125,7 +10289,108 @@
                   </a:solidFill>
                   <a:latin typeface="+mn-ea"/>
                 </a:rPr>
-                <a:t>회귀를 통한 지도학습을 수행하고 관객수를 예측한다</a:t>
+                <a:t>이용하여 기계학습</a:t>
+              </a:r>
+              <a:r>
+                <a:rPr kumimoji="0" lang="en-US" altLang="ko-KR" sz="1400" dirty="0" smtClean="0">
+                  <a:solidFill>
+                    <a:srgbClr val="3F3F48"/>
+                  </a:solidFill>
+                  <a:latin typeface="+mn-ea"/>
+                </a:rPr>
+                <a:t>(</a:t>
+              </a:r>
+              <a:r>
+                <a:rPr kumimoji="0" lang="ko-KR" altLang="en-US" sz="1400" dirty="0" smtClean="0">
+                  <a:solidFill>
+                    <a:srgbClr val="3F3F48"/>
+                  </a:solidFill>
+                  <a:latin typeface="+mn-ea"/>
+                </a:rPr>
+                <a:t>선형 회귀를 </a:t>
+              </a:r>
+              <a:r>
+                <a:rPr kumimoji="0" lang="ko-KR" altLang="en-US" sz="1400" dirty="0" smtClean="0">
+                  <a:solidFill>
+                    <a:srgbClr val="3F3F48"/>
+                  </a:solidFill>
+                  <a:latin typeface="+mn-ea"/>
+                </a:rPr>
+                <a:t>통한 </a:t>
+              </a:r>
+              <a:r>
+                <a:rPr kumimoji="0" lang="ko-KR" altLang="en-US" sz="1400" dirty="0" err="1" smtClean="0">
+                  <a:solidFill>
+                    <a:srgbClr val="3F3F48"/>
+                  </a:solidFill>
+                  <a:latin typeface="+mn-ea"/>
+                </a:rPr>
+                <a:t>지도학습</a:t>
+              </a:r>
+              <a:r>
+                <a:rPr kumimoji="0" lang="en-US" altLang="ko-KR" sz="1400" dirty="0" smtClean="0">
+                  <a:solidFill>
+                    <a:srgbClr val="3F3F48"/>
+                  </a:solidFill>
+                  <a:latin typeface="+mn-ea"/>
+                </a:rPr>
+                <a:t>)</a:t>
+              </a:r>
+              <a:r>
+                <a:rPr kumimoji="0" lang="ko-KR" altLang="en-US" sz="1400" dirty="0" smtClean="0">
+                  <a:solidFill>
+                    <a:srgbClr val="3F3F48"/>
+                  </a:solidFill>
+                  <a:latin typeface="+mn-ea"/>
+                </a:rPr>
+                <a:t>을 </a:t>
+              </a:r>
+              <a:r>
+                <a:rPr kumimoji="0" lang="ko-KR" altLang="en-US" sz="1400" dirty="0" smtClean="0">
+                  <a:solidFill>
+                    <a:srgbClr val="3F3F48"/>
+                  </a:solidFill>
+                  <a:latin typeface="+mn-ea"/>
+                </a:rPr>
+                <a:t>수행하고 </a:t>
+              </a:r>
+              <a:endParaRPr kumimoji="0" lang="en-US" altLang="ko-KR" sz="1400" dirty="0" smtClean="0">
+                <a:solidFill>
+                  <a:srgbClr val="3F3F48"/>
+                </a:solidFill>
+                <a:latin typeface="+mn-ea"/>
+              </a:endParaRPr>
+            </a:p>
+            <a:p>
+              <a:pPr marL="108000" fontAlgn="auto">
+                <a:lnSpc>
+                  <a:spcPct val="150000"/>
+                </a:lnSpc>
+                <a:spcBef>
+                  <a:spcPts val="0"/>
+                </a:spcBef>
+                <a:spcAft>
+                  <a:spcPts val="0"/>
+                </a:spcAft>
+                <a:defRPr/>
+              </a:pPr>
+              <a:r>
+                <a:rPr kumimoji="0" lang="ko-KR" altLang="en-US" sz="1400" dirty="0" smtClean="0">
+                  <a:solidFill>
+                    <a:srgbClr val="3F3F48"/>
+                  </a:solidFill>
+                  <a:latin typeface="+mn-ea"/>
+                </a:rPr>
+                <a:t>관객수를 </a:t>
+              </a:r>
+              <a:r>
+                <a:rPr kumimoji="0" lang="ko-KR" altLang="en-US" sz="1400" dirty="0" smtClean="0">
+                  <a:solidFill>
+                    <a:srgbClr val="3F3F48"/>
+                  </a:solidFill>
+                  <a:latin typeface="+mn-ea"/>
+                </a:rPr>
+                <a:t>예측한다</a:t>
               </a:r>
               <a:r>
                 <a:rPr kumimoji="0" lang="en-US" altLang="ko-KR" sz="1400" dirty="0" smtClean="0">
@@ -11177,16 +11442,7 @@
                 </a:solidFill>
                 <a:ea typeface="맑은 고딕" panose="020B0503020000020004" pitchFamily="50" charset="-127"/>
               </a:rPr>
-              <a:t>  </a:t>
-            </a:r>
-            <a:r>
-              <a:rPr lang="en-US" altLang="ko-KR" sz="1000" dirty="0" smtClean="0">
-                <a:solidFill>
-                  <a:srgbClr val="4B2F70"/>
-                </a:solidFill>
-                <a:ea typeface="맑은 고딕" panose="020B0503020000020004" pitchFamily="50" charset="-127"/>
-              </a:rPr>
-              <a:t>- </a:t>
+              <a:t>  - </a:t>
             </a:r>
             <a:r>
               <a:rPr lang="ko-KR" altLang="en-US" sz="1000" dirty="0">
@@ -11545,16 +11801,7 @@
                 </a:solidFill>
                 <a:ea typeface="맑은 고딕" panose="020B0503020000020004" pitchFamily="50" charset="-127"/>
               </a:rPr>
-              <a:t>예측 모델 </a:t>
-            </a:r>
-            <a:r>
-              <a:rPr lang="ko-KR" altLang="en-US" sz="1000" dirty="0" smtClean="0">
-                <a:solidFill>
-                  <a:srgbClr val="4B2F70"/>
-                </a:solidFill>
-                <a:ea typeface="맑은 고딕" panose="020B0503020000020004" pitchFamily="50" charset="-127"/>
-              </a:rPr>
-              <a:t>생성</a:t>
+              <a:t>예측 모델 생성</a:t>
             </a:r>
             <a:endParaRPr lang="en-US" altLang="ko-KR" sz="1000" dirty="0" smtClean="0">
               <a:solidFill>
@@ -12039,16 +12286,7 @@
                 </a:solidFill>
                 <a:ea typeface="맑은 고딕" panose="020B0503020000020004" pitchFamily="50" charset="-127"/>
               </a:rPr>
-              <a:t>  </a:t>
-            </a:r>
-            <a:r>
-              <a:rPr lang="en-US" altLang="ko-KR" sz="1000" dirty="0" smtClean="0">
-                <a:solidFill>
-                  <a:srgbClr val="4B2F70"/>
-                </a:solidFill>
-                <a:ea typeface="맑은 고딕" panose="020B0503020000020004" pitchFamily="50" charset="-127"/>
-              </a:rPr>
-              <a:t>- </a:t>
+              <a:t>  - </a:t>
             </a:r>
             <a:r>
               <a:rPr lang="ko-KR" altLang="en-US" sz="1000" dirty="0" smtClean="0">
@@ -12251,28 +12489,52 @@
                 <a:gridCol w="1319909">
                   <a:extLst>
                     <a:ext uri="{9D8B030D-6E8A-4147-A177-3AD203B41FA5}">
-                      <a16:colId xmlns="" xmlns:a16="http://schemas.microsoft.com/office/drawing/2014/main" val="20000"/>
+                      <a16:colId xmlns:a16="http://schemas.microsoft.com/office/drawing/2014/main" val="20000"/>
                     </a:ext>
                   </a:extLst>
                 </a:gridCol>
                 <a:gridCol w="1320694">
                   <a:extLst>
                     <a:ext uri="{9D8B030D-6E8A-4147-A177-3AD203B41FA5}">
-                      <a16:colId xmlns="" xmlns:a16="http://schemas.microsoft.com/office/drawing/2014/main" val="20001"/>
+                      <a16:colId xmlns:a16="http://schemas.microsoft.com/office/drawing/2014/main" val="20001"/>
                     </a:ext>
                   </a:extLst>
                 </a:gridCol>
                 <a:gridCol w="1185438">
                   <a:extLst>
                     <a:ext uri="{9D8B030D-6E8A-4147-A177-3AD203B41FA5}">
-                      <a16:colId xmlns="" xmlns:a16="http://schemas.microsoft.com/office/drawing/2014/main" val="20008"/>
+                      <a16:colId xmlns:a16="http://schemas.microsoft.com/office/drawing/2014/main" val="20008"/>
                     </a:ext>
                   </a:extLst>
                 </a:gridCol>
-                <a:gridCol w="1185438"/>
-                <a:gridCol w="1185438"/>
-                <a:gridCol w="1185438"/>
-                <a:gridCol w="1185438"/>
+                <a:gridCol w="1185438">
+                  <a:extLst>
+                    <a:ext uri="{9D8B030D-6E8A-4147-A177-3AD203B41FA5}">
+                      <a16:colId xmlns:a16="http://schemas.microsoft.com/office/drawing/2014/main" val="20003"/>
+                    </a:ext>
+                  </a:extLst>
+                </a:gridCol>
+                <a:gridCol w="1185438">
+                  <a:extLst>
+                    <a:ext uri="{9D8B030D-6E8A-4147-A177-3AD203B41FA5}">
+                      <a16:colId xmlns:a16="http://schemas.microsoft.com/office/drawing/2014/main" val="20004"/>
+                    </a:ext>
+                  </a:extLst>
+                </a:gridCol>
+                <a:gridCol w="1185438">
+                  <a:extLst>
+                    <a:ext uri="{9D8B030D-6E8A-4147-A177-3AD203B41FA5}">
+                      <a16:colId xmlns:a16="http://schemas.microsoft.com/office/drawing/2014/main" val="20005"/>
+                    </a:ext>
+                  </a:extLst>
+                </a:gridCol>
+                <a:gridCol w="1185438">
+                  <a:extLst>
+                    <a:ext uri="{9D8B030D-6E8A-4147-A177-3AD203B41FA5}">
+                      <a16:colId xmlns:a16="http://schemas.microsoft.com/office/drawing/2014/main" val="20006"/>
+                    </a:ext>
+                  </a:extLst>
+                </a:gridCol>
               </a:tblGrid>
               <a:tr h="759502">
                 <a:tc>
@@ -12904,7 +13166,7 @@
                 </a:tc>
                 <a:extLst>
                   <a:ext uri="{0D108BD9-81ED-4DB2-BD59-A6C34878D82A}">
-                    <a16:rowId xmlns="" xmlns:a16="http://schemas.microsoft.com/office/drawing/2014/main" val="10000"/>
+                    <a16:rowId xmlns:a16="http://schemas.microsoft.com/office/drawing/2014/main" val="10000"/>
                   </a:ext>
                 </a:extLst>
               </a:tr>
@@ -13273,7 +13535,7 @@
                 </a:tc>
                 <a:extLst>
                   <a:ext uri="{0D108BD9-81ED-4DB2-BD59-A6C34878D82A}">
-                    <a16:rowId xmlns="" xmlns:a16="http://schemas.microsoft.com/office/drawing/2014/main" val="10002"/>
+                    <a16:rowId xmlns:a16="http://schemas.microsoft.com/office/drawing/2014/main" val="10002"/>
                   </a:ext>
                 </a:extLst>
               </a:tr>
@@ -13542,6 +13804,11 @@
                     </a:solidFill>
                   </a:tcPr>
                 </a:tc>
+                <a:extLst>
+                  <a:ext uri="{0D108BD9-81ED-4DB2-BD59-A6C34878D82A}">
+                    <a16:rowId xmlns:a16="http://schemas.microsoft.com/office/drawing/2014/main" val="10003"/>
+                  </a:ext>
+                </a:extLst>
               </a:tr>
               <a:tr h="416982">
                 <a:tc>
@@ -13796,6 +14063,11 @@
                     </a:solidFill>
                   </a:tcPr>
                 </a:tc>
+                <a:extLst>
+                  <a:ext uri="{0D108BD9-81ED-4DB2-BD59-A6C34878D82A}">
+                    <a16:rowId xmlns:a16="http://schemas.microsoft.com/office/drawing/2014/main" val="10004"/>
+                  </a:ext>
+                </a:extLst>
               </a:tr>
               <a:tr h="310828">
                 <a:tc>
@@ -14029,6 +14301,11 @@
                     </a:solidFill>
                   </a:tcPr>
                 </a:tc>
+                <a:extLst>
+                  <a:ext uri="{0D108BD9-81ED-4DB2-BD59-A6C34878D82A}">
+                    <a16:rowId xmlns:a16="http://schemas.microsoft.com/office/drawing/2014/main" val="10005"/>
+                  </a:ext>
+                </a:extLst>
               </a:tr>
               <a:tr h="310828">
                 <a:tc>
@@ -14338,6 +14615,11 @@
                     </a:solidFill>
                   </a:tcPr>
                 </a:tc>
+                <a:extLst>
+                  <a:ext uri="{0D108BD9-81ED-4DB2-BD59-A6C34878D82A}">
+                    <a16:rowId xmlns:a16="http://schemas.microsoft.com/office/drawing/2014/main" val="10006"/>
+                  </a:ext>
+                </a:extLst>
               </a:tr>
               <a:tr h="416982">
                 <a:tc>
@@ -14601,6 +14883,11 @@
                     </a:solidFill>
                   </a:tcPr>
                 </a:tc>
+                <a:extLst>
+                  <a:ext uri="{0D108BD9-81ED-4DB2-BD59-A6C34878D82A}">
+                    <a16:rowId xmlns:a16="http://schemas.microsoft.com/office/drawing/2014/main" val="10007"/>
+                  </a:ext>
+                </a:extLst>
               </a:tr>
               <a:tr h="416982">
                 <a:tc>
@@ -14864,6 +15151,11 @@
                     </a:solidFill>
                   </a:tcPr>
                 </a:tc>
+                <a:extLst>
+                  <a:ext uri="{0D108BD9-81ED-4DB2-BD59-A6C34878D82A}">
+                    <a16:rowId xmlns:a16="http://schemas.microsoft.com/office/drawing/2014/main" val="10008"/>
+                  </a:ext>
+                </a:extLst>
               </a:tr>
               <a:tr h="310828">
                 <a:tc>
@@ -15174,6 +15466,11 @@
                     </a:solidFill>
                   </a:tcPr>
                 </a:tc>
+                <a:extLst>
+                  <a:ext uri="{0D108BD9-81ED-4DB2-BD59-A6C34878D82A}">
+                    <a16:rowId xmlns:a16="http://schemas.microsoft.com/office/drawing/2014/main" val="10009"/>
+                  </a:ext>
+                </a:extLst>
               </a:tr>
               <a:tr h="310828">
                 <a:tc>
@@ -15418,6 +15715,11 @@
                     </a:solidFill>
                   </a:tcPr>
                 </a:tc>
+                <a:extLst>
+                  <a:ext uri="{0D108BD9-81ED-4DB2-BD59-A6C34878D82A}">
+                    <a16:rowId xmlns:a16="http://schemas.microsoft.com/office/drawing/2014/main" val="10010"/>
+                  </a:ext>
+                </a:extLst>
               </a:tr>
               <a:tr h="310828">
                 <a:tc>
@@ -15651,6 +15953,11 @@
                     </a:solidFill>
                   </a:tcPr>
                 </a:tc>
+                <a:extLst>
+                  <a:ext uri="{0D108BD9-81ED-4DB2-BD59-A6C34878D82A}">
+                    <a16:rowId xmlns:a16="http://schemas.microsoft.com/office/drawing/2014/main" val="10011"/>
+                  </a:ext>
+                </a:extLst>
               </a:tr>
               <a:tr h="310828">
                 <a:tc>
@@ -15959,6 +16266,11 @@
                     </a:solidFill>
                   </a:tcPr>
                 </a:tc>
+                <a:extLst>
+                  <a:ext uri="{0D108BD9-81ED-4DB2-BD59-A6C34878D82A}">
+                    <a16:rowId xmlns:a16="http://schemas.microsoft.com/office/drawing/2014/main" val="10012"/>
+                  </a:ext>
+                </a:extLst>
               </a:tr>
               <a:tr h="310828">
                 <a:tc>
@@ -16201,6 +16513,11 @@
                     </a:solidFill>
                   </a:tcPr>
                 </a:tc>
+                <a:extLst>
+                  <a:ext uri="{0D108BD9-81ED-4DB2-BD59-A6C34878D82A}">
+                    <a16:rowId xmlns:a16="http://schemas.microsoft.com/office/drawing/2014/main" val="10013"/>
+                  </a:ext>
+                </a:extLst>
               </a:tr>
               <a:tr h="310828">
                 <a:tc>
@@ -16519,6 +16836,11 @@
                     </a:solidFill>
                   </a:tcPr>
                 </a:tc>
+                <a:extLst>
+                  <a:ext uri="{0D108BD9-81ED-4DB2-BD59-A6C34878D82A}">
+                    <a16:rowId xmlns:a16="http://schemas.microsoft.com/office/drawing/2014/main" val="10014"/>
+                  </a:ext>
+                </a:extLst>
               </a:tr>
               <a:tr h="310828">
                 <a:tc>
@@ -16837,6 +17159,11 @@
                     </a:solidFill>
                   </a:tcPr>
                 </a:tc>
+                <a:extLst>
+                  <a:ext uri="{0D108BD9-81ED-4DB2-BD59-A6C34878D82A}">
+                    <a16:rowId xmlns:a16="http://schemas.microsoft.com/office/drawing/2014/main" val="10015"/>
+                  </a:ext>
+                </a:extLst>
               </a:tr>
               <a:tr h="310828">
                 <a:tc>
@@ -17137,6 +17464,11 @@
                     </a:solidFill>
                   </a:tcPr>
                 </a:tc>
+                <a:extLst>
+                  <a:ext uri="{0D108BD9-81ED-4DB2-BD59-A6C34878D82A}">
+                    <a16:rowId xmlns:a16="http://schemas.microsoft.com/office/drawing/2014/main" val="10016"/>
+                  </a:ext>
+                </a:extLst>
               </a:tr>
             </a:tbl>
           </a:graphicData>
